--- a/공부 자료/blockchain_study.pptx
+++ b/공부 자료/blockchain_study.pptx
@@ -5,11 +5,12 @@
     <p:sldMasterId id="2147483648" r:id="rId1"/>
   </p:sldMasterIdLst>
   <p:notesMasterIdLst>
-    <p:notesMasterId r:id="rId4"/>
+    <p:notesMasterId r:id="rId5"/>
   </p:notesMasterIdLst>
   <p:sldIdLst>
     <p:sldId id="260" r:id="rId2"/>
-    <p:sldId id="261" r:id="rId3"/>
+    <p:sldId id="262" r:id="rId3"/>
+    <p:sldId id="261" r:id="rId4"/>
   </p:sldIdLst>
   <p:sldSz cx="12192000" cy="6858000"/>
   <p:notesSz cx="6858000" cy="9144000"/>
@@ -549,6 +550,114 @@
   <p:cSld>
     <p:spTree>
       <p:nvGrpSpPr>
+        <p:cNvPr id="1" name="">
+          <a:extLst>
+            <a:ext uri="{FF2B5EF4-FFF2-40B4-BE49-F238E27FC236}">
+              <a16:creationId xmlns:a16="http://schemas.microsoft.com/office/drawing/2014/main" id="{28507857-DA7C-19EF-7AC0-A7B29A0D11B4}"/>
+            </a:ext>
+          </a:extLst>
+        </p:cNvPr>
+        <p:cNvGrpSpPr/>
+        <p:nvPr/>
+      </p:nvGrpSpPr>
+      <p:grpSpPr>
+        <a:xfrm>
+          <a:off x="0" y="0"/>
+          <a:ext cx="0" cy="0"/>
+          <a:chOff x="0" y="0"/>
+          <a:chExt cx="0" cy="0"/>
+        </a:xfrm>
+      </p:grpSpPr>
+      <p:sp>
+        <p:nvSpPr>
+          <p:cNvPr id="2" name="슬라이드 이미지 개체 틀 1">
+            <a:extLst>
+              <a:ext uri="{FF2B5EF4-FFF2-40B4-BE49-F238E27FC236}">
+                <a16:creationId xmlns:a16="http://schemas.microsoft.com/office/drawing/2014/main" id="{B0ABB64B-28F0-6427-04D1-ECDCACC9BB15}"/>
+              </a:ext>
+            </a:extLst>
+          </p:cNvPr>
+          <p:cNvSpPr>
+            <a:spLocks noGrp="1" noRot="1" noChangeAspect="1"/>
+          </p:cNvSpPr>
+          <p:nvPr>
+            <p:ph type="sldImg"/>
+          </p:nvPr>
+        </p:nvSpPr>
+        <p:spPr/>
+      </p:sp>
+      <p:sp>
+        <p:nvSpPr>
+          <p:cNvPr id="3" name="슬라이드 노트 개체 틀 2">
+            <a:extLst>
+              <a:ext uri="{FF2B5EF4-FFF2-40B4-BE49-F238E27FC236}">
+                <a16:creationId xmlns:a16="http://schemas.microsoft.com/office/drawing/2014/main" id="{1379BD6D-FF2F-218A-E0F1-EC8B825BCF1E}"/>
+              </a:ext>
+            </a:extLst>
+          </p:cNvPr>
+          <p:cNvSpPr>
+            <a:spLocks noGrp="1"/>
+          </p:cNvSpPr>
+          <p:nvPr>
+            <p:ph type="body" idx="1"/>
+          </p:nvPr>
+        </p:nvSpPr>
+        <p:spPr/>
+        <p:txBody>
+          <a:bodyPr/>
+          <a:lstStyle/>
+          <a:p>
+            <a:endParaRPr kumimoji="1" lang="ko-KR" altLang="en-US" dirty="0"/>
+          </a:p>
+        </p:txBody>
+      </p:sp>
+      <p:sp>
+        <p:nvSpPr>
+          <p:cNvPr id="4" name="슬라이드 번호 개체 틀 3">
+            <a:extLst>
+              <a:ext uri="{FF2B5EF4-FFF2-40B4-BE49-F238E27FC236}">
+                <a16:creationId xmlns:a16="http://schemas.microsoft.com/office/drawing/2014/main" id="{DB36DEDF-CB6E-C403-3D1B-E3AB5BB7BDF9}"/>
+              </a:ext>
+            </a:extLst>
+          </p:cNvPr>
+          <p:cNvSpPr>
+            <a:spLocks noGrp="1"/>
+          </p:cNvSpPr>
+          <p:nvPr>
+            <p:ph type="sldNum" sz="quarter" idx="5"/>
+          </p:nvPr>
+        </p:nvSpPr>
+        <p:spPr/>
+        <p:txBody>
+          <a:bodyPr/>
+          <a:lstStyle/>
+          <a:p>
+            <a:fld id="{52BB285B-E482-9844-96ED-315EF6C7DB48}" type="slidenum">
+              <a:rPr kumimoji="1" lang="ko-KR" altLang="en-US" smtClean="0"/>
+              <a:t>2</a:t>
+            </a:fld>
+            <a:endParaRPr kumimoji="1" lang="ko-KR" altLang="en-US"/>
+          </a:p>
+        </p:txBody>
+      </p:sp>
+    </p:spTree>
+    <p:extLst>
+      <p:ext uri="{BB962C8B-B14F-4D97-AF65-F5344CB8AC3E}">
+        <p14:creationId xmlns:p14="http://schemas.microsoft.com/office/powerpoint/2010/main" val="1316445695"/>
+      </p:ext>
+    </p:extLst>
+  </p:cSld>
+  <p:clrMapOvr>
+    <a:masterClrMapping/>
+  </p:clrMapOvr>
+</p:notes>
+</file>
+
+<file path=ppt/notesSlides/notesSlide3.xml><?xml version="1.0" encoding="utf-8"?>
+<p:notes xmlns:a="http://schemas.openxmlformats.org/drawingml/2006/main" xmlns:r="http://schemas.openxmlformats.org/officeDocument/2006/relationships" xmlns:p="http://schemas.openxmlformats.org/presentationml/2006/main">
+  <p:cSld>
+    <p:spTree>
+      <p:nvGrpSpPr>
         <p:cNvPr id="1" name=""/>
         <p:cNvGrpSpPr/>
         <p:nvPr/>
@@ -609,7 +718,7 @@
           <a:p>
             <a:fld id="{52BB285B-E482-9844-96ED-315EF6C7DB48}" type="slidenum">
               <a:rPr kumimoji="1" lang="ko-KR" altLang="en-US" smtClean="0"/>
-              <a:t>2</a:t>
+              <a:t>3</a:t>
             </a:fld>
             <a:endParaRPr kumimoji="1" lang="ko-KR" altLang="en-US"/>
           </a:p>
@@ -6541,7 +6650,7 @@
         </p:nvSpPr>
         <p:spPr>
           <a:xfrm>
-            <a:off x="5484253" y="3253468"/>
+            <a:off x="4745524" y="4222342"/>
             <a:ext cx="669723" cy="368642"/>
           </a:xfrm>
           <a:prstGeom prst="teardrop">
@@ -6601,7 +6710,7 @@
         </p:nvSpPr>
         <p:spPr>
           <a:xfrm>
-            <a:off x="4716628" y="5166826"/>
+            <a:off x="5195092" y="4676028"/>
             <a:ext cx="952499" cy="262541"/>
           </a:xfrm>
           <a:prstGeom prst="teardrop">
@@ -6642,7 +6751,23 @@
                   <a:schemeClr val="tx1"/>
                 </a:solidFill>
               </a:rPr>
-              <a:t>서명</a:t>
+              <a:t>서명결과 </a:t>
+            </a:r>
+            <a:r>
+              <a:rPr kumimoji="1" lang="en-US" altLang="ko-KR" sz="1050" dirty="0">
+                <a:solidFill>
+                  <a:schemeClr val="tx1"/>
+                </a:solidFill>
+              </a:rPr>
+              <a:t>=&gt;</a:t>
+            </a:r>
+            <a:r>
+              <a:rPr kumimoji="1" lang="ko-KR" altLang="en-US" sz="1050" dirty="0">
+                <a:solidFill>
+                  <a:schemeClr val="tx1"/>
+                </a:solidFill>
+              </a:rPr>
+              <a:t> </a:t>
             </a:r>
             <a:r>
               <a:rPr kumimoji="1" lang="en-US" altLang="ko-KR" sz="1050" dirty="0">
@@ -6811,6 +6936,66 @@
             <a:r>
               <a:rPr kumimoji="1" lang="ko-KR" altLang="en-US" sz="1400" dirty="0"/>
               <a:t>잔액</a:t>
+            </a:r>
+          </a:p>
+        </p:txBody>
+      </p:sp>
+      <p:sp>
+        <p:nvSpPr>
+          <p:cNvPr id="156" name="눈물 방울 155">
+            <a:extLst>
+              <a:ext uri="{FF2B5EF4-FFF2-40B4-BE49-F238E27FC236}">
+                <a16:creationId xmlns:a16="http://schemas.microsoft.com/office/drawing/2014/main" id="{B57AAC71-C348-0445-0FA8-F874E0BAF327}"/>
+              </a:ext>
+            </a:extLst>
+          </p:cNvPr>
+          <p:cNvSpPr/>
+          <p:nvPr/>
+        </p:nvSpPr>
+        <p:spPr>
+          <a:xfrm>
+            <a:off x="4817108" y="5219149"/>
+            <a:ext cx="669723" cy="368642"/>
+          </a:xfrm>
+          <a:prstGeom prst="teardrop">
+            <a:avLst>
+              <a:gd name="adj" fmla="val 109102"/>
+            </a:avLst>
+          </a:prstGeom>
+          <a:solidFill>
+            <a:schemeClr val="bg2">
+              <a:lumMod val="90000"/>
+            </a:schemeClr>
+          </a:solidFill>
+        </p:spPr>
+        <p:style>
+          <a:lnRef idx="2">
+            <a:schemeClr val="accent1">
+              <a:shade val="15000"/>
+            </a:schemeClr>
+          </a:lnRef>
+          <a:fillRef idx="1">
+            <a:schemeClr val="accent1"/>
+          </a:fillRef>
+          <a:effectRef idx="0">
+            <a:schemeClr val="accent1"/>
+          </a:effectRef>
+          <a:fontRef idx="minor">
+            <a:schemeClr val="lt1"/>
+          </a:fontRef>
+        </p:style>
+        <p:txBody>
+          <a:bodyPr lIns="0" tIns="0" rIns="0" bIns="0" rtlCol="0" anchor="ctr"/>
+          <a:lstStyle/>
+          <a:p>
+            <a:pPr algn="ctr"/>
+            <a:r>
+              <a:rPr kumimoji="1" lang="ko-KR" altLang="en-US" sz="1050" dirty="0">
+                <a:solidFill>
+                  <a:schemeClr val="tx1"/>
+                </a:solidFill>
+              </a:rPr>
+              <a:t>공개키</a:t>
             </a:r>
           </a:p>
         </p:txBody>
@@ -6829,6 +7014,311 @@
 </file>
 
 <file path=ppt/slides/slide2.xml><?xml version="1.0" encoding="utf-8"?>
+<p:sld xmlns:a="http://schemas.openxmlformats.org/drawingml/2006/main" xmlns:r="http://schemas.openxmlformats.org/officeDocument/2006/relationships" xmlns:p="http://schemas.openxmlformats.org/presentationml/2006/main">
+  <p:cSld>
+    <p:spTree>
+      <p:nvGrpSpPr>
+        <p:cNvPr id="1" name="">
+          <a:extLst>
+            <a:ext uri="{FF2B5EF4-FFF2-40B4-BE49-F238E27FC236}">
+              <a16:creationId xmlns:a16="http://schemas.microsoft.com/office/drawing/2014/main" id="{B3FC5C3D-30C1-509A-CBC2-968CA6C4AAAA}"/>
+            </a:ext>
+          </a:extLst>
+        </p:cNvPr>
+        <p:cNvGrpSpPr/>
+        <p:nvPr/>
+      </p:nvGrpSpPr>
+      <p:grpSpPr>
+        <a:xfrm>
+          <a:off x="0" y="0"/>
+          <a:ext cx="0" cy="0"/>
+          <a:chOff x="0" y="0"/>
+          <a:chExt cx="0" cy="0"/>
+        </a:xfrm>
+      </p:grpSpPr>
+      <p:sp>
+        <p:nvSpPr>
+          <p:cNvPr id="2" name="TextBox 1">
+            <a:extLst>
+              <a:ext uri="{FF2B5EF4-FFF2-40B4-BE49-F238E27FC236}">
+                <a16:creationId xmlns:a16="http://schemas.microsoft.com/office/drawing/2014/main" id="{C30E1397-F791-C9BE-4B06-E3B2DDB62EBA}"/>
+              </a:ext>
+            </a:extLst>
+          </p:cNvPr>
+          <p:cNvSpPr txBox="1"/>
+          <p:nvPr/>
+        </p:nvSpPr>
+        <p:spPr>
+          <a:xfrm>
+            <a:off x="0" y="0"/>
+            <a:ext cx="1372492" cy="307777"/>
+          </a:xfrm>
+          <a:prstGeom prst="rect">
+            <a:avLst/>
+          </a:prstGeom>
+          <a:noFill/>
+        </p:spPr>
+        <p:txBody>
+          <a:bodyPr wrap="none" rtlCol="0">
+            <a:spAutoFit/>
+          </a:bodyPr>
+          <a:lstStyle/>
+          <a:p>
+            <a:r>
+              <a:rPr kumimoji="1" lang="ko-KR" altLang="en-US" sz="1400" dirty="0"/>
+              <a:t>블록체인 흐름</a:t>
+            </a:r>
+          </a:p>
+        </p:txBody>
+      </p:sp>
+      <p:sp>
+        <p:nvSpPr>
+          <p:cNvPr id="4" name="모서리가 둥근 직사각형 3">
+            <a:extLst>
+              <a:ext uri="{FF2B5EF4-FFF2-40B4-BE49-F238E27FC236}">
+                <a16:creationId xmlns:a16="http://schemas.microsoft.com/office/drawing/2014/main" id="{89EBA204-A7F6-25EF-E0D3-A7A37A18187D}"/>
+              </a:ext>
+            </a:extLst>
+          </p:cNvPr>
+          <p:cNvSpPr/>
+          <p:nvPr/>
+        </p:nvSpPr>
+        <p:spPr>
+          <a:xfrm>
+            <a:off x="-344548" y="894080"/>
+            <a:ext cx="3434080" cy="5344160"/>
+          </a:xfrm>
+          <a:prstGeom prst="roundRect">
+            <a:avLst/>
+          </a:prstGeom>
+          <a:noFill/>
+        </p:spPr>
+        <p:style>
+          <a:lnRef idx="2">
+            <a:schemeClr val="accent1">
+              <a:shade val="15000"/>
+            </a:schemeClr>
+          </a:lnRef>
+          <a:fillRef idx="1">
+            <a:schemeClr val="accent1"/>
+          </a:fillRef>
+          <a:effectRef idx="0">
+            <a:schemeClr val="accent1"/>
+          </a:effectRef>
+          <a:fontRef idx="minor">
+            <a:schemeClr val="lt1"/>
+          </a:fontRef>
+        </p:style>
+        <p:txBody>
+          <a:bodyPr rtlCol="0" anchor="ctr"/>
+          <a:lstStyle/>
+          <a:p>
+            <a:pPr algn="ctr"/>
+            <a:endParaRPr kumimoji="1" lang="ko-KR" altLang="en-US"/>
+          </a:p>
+        </p:txBody>
+      </p:sp>
+      <p:sp>
+        <p:nvSpPr>
+          <p:cNvPr id="14" name="모서리가 둥근 직사각형 13">
+            <a:extLst>
+              <a:ext uri="{FF2B5EF4-FFF2-40B4-BE49-F238E27FC236}">
+                <a16:creationId xmlns:a16="http://schemas.microsoft.com/office/drawing/2014/main" id="{AEB3568B-769B-6C4A-7CBD-6BD90128100B}"/>
+              </a:ext>
+            </a:extLst>
+          </p:cNvPr>
+          <p:cNvSpPr/>
+          <p:nvPr/>
+        </p:nvSpPr>
+        <p:spPr>
+          <a:xfrm>
+            <a:off x="3394332" y="894080"/>
+            <a:ext cx="3434080" cy="5344160"/>
+          </a:xfrm>
+          <a:prstGeom prst="roundRect">
+            <a:avLst/>
+          </a:prstGeom>
+        </p:spPr>
+        <p:style>
+          <a:lnRef idx="2">
+            <a:schemeClr val="accent1">
+              <a:shade val="15000"/>
+            </a:schemeClr>
+          </a:lnRef>
+          <a:fillRef idx="1">
+            <a:schemeClr val="accent1"/>
+          </a:fillRef>
+          <a:effectRef idx="0">
+            <a:schemeClr val="accent1"/>
+          </a:effectRef>
+          <a:fontRef idx="minor">
+            <a:schemeClr val="lt1"/>
+          </a:fontRef>
+        </p:style>
+        <p:txBody>
+          <a:bodyPr rtlCol="0" anchor="ctr"/>
+          <a:lstStyle/>
+          <a:p>
+            <a:pPr algn="ctr"/>
+            <a:endParaRPr kumimoji="1" lang="ko-KR" altLang="en-US"/>
+          </a:p>
+        </p:txBody>
+      </p:sp>
+      <p:sp>
+        <p:nvSpPr>
+          <p:cNvPr id="17" name="모서리가 둥근 직사각형 16">
+            <a:extLst>
+              <a:ext uri="{FF2B5EF4-FFF2-40B4-BE49-F238E27FC236}">
+                <a16:creationId xmlns:a16="http://schemas.microsoft.com/office/drawing/2014/main" id="{C14EB114-21B5-7F98-0E8D-99A15CCEC8B9}"/>
+              </a:ext>
+            </a:extLst>
+          </p:cNvPr>
+          <p:cNvSpPr/>
+          <p:nvPr/>
+        </p:nvSpPr>
+        <p:spPr>
+          <a:xfrm>
+            <a:off x="7133212" y="894080"/>
+            <a:ext cx="3434080" cy="5344160"/>
+          </a:xfrm>
+          <a:prstGeom prst="roundRect">
+            <a:avLst/>
+          </a:prstGeom>
+        </p:spPr>
+        <p:style>
+          <a:lnRef idx="2">
+            <a:schemeClr val="accent1">
+              <a:shade val="15000"/>
+            </a:schemeClr>
+          </a:lnRef>
+          <a:fillRef idx="1">
+            <a:schemeClr val="accent1"/>
+          </a:fillRef>
+          <a:effectRef idx="0">
+            <a:schemeClr val="accent1"/>
+          </a:effectRef>
+          <a:fontRef idx="minor">
+            <a:schemeClr val="lt1"/>
+          </a:fontRef>
+        </p:style>
+        <p:txBody>
+          <a:bodyPr rtlCol="0" anchor="ctr"/>
+          <a:lstStyle/>
+          <a:p>
+            <a:pPr algn="ctr"/>
+            <a:endParaRPr kumimoji="1" lang="ko-KR" altLang="en-US"/>
+          </a:p>
+        </p:txBody>
+      </p:sp>
+      <p:sp>
+        <p:nvSpPr>
+          <p:cNvPr id="18" name="모서리가 둥근 직사각형 17">
+            <a:extLst>
+              <a:ext uri="{FF2B5EF4-FFF2-40B4-BE49-F238E27FC236}">
+                <a16:creationId xmlns:a16="http://schemas.microsoft.com/office/drawing/2014/main" id="{9DC656C8-AA68-2C49-DD50-E2DC7D3130A5}"/>
+              </a:ext>
+            </a:extLst>
+          </p:cNvPr>
+          <p:cNvSpPr/>
+          <p:nvPr/>
+        </p:nvSpPr>
+        <p:spPr>
+          <a:xfrm>
+            <a:off x="10872092" y="894080"/>
+            <a:ext cx="3434080" cy="5344160"/>
+          </a:xfrm>
+          <a:prstGeom prst="roundRect">
+            <a:avLst/>
+          </a:prstGeom>
+        </p:spPr>
+        <p:style>
+          <a:lnRef idx="2">
+            <a:schemeClr val="accent1">
+              <a:shade val="15000"/>
+            </a:schemeClr>
+          </a:lnRef>
+          <a:fillRef idx="1">
+            <a:schemeClr val="accent1"/>
+          </a:fillRef>
+          <a:effectRef idx="0">
+            <a:schemeClr val="accent1"/>
+          </a:effectRef>
+          <a:fontRef idx="minor">
+            <a:schemeClr val="lt1"/>
+          </a:fontRef>
+        </p:style>
+        <p:txBody>
+          <a:bodyPr rtlCol="0" anchor="ctr"/>
+          <a:lstStyle/>
+          <a:p>
+            <a:pPr algn="ctr"/>
+            <a:endParaRPr kumimoji="1" lang="ko-KR" altLang="en-US"/>
+          </a:p>
+        </p:txBody>
+      </p:sp>
+      <p:sp>
+        <p:nvSpPr>
+          <p:cNvPr id="19" name="직사각형 18">
+            <a:extLst>
+              <a:ext uri="{FF2B5EF4-FFF2-40B4-BE49-F238E27FC236}">
+                <a16:creationId xmlns:a16="http://schemas.microsoft.com/office/drawing/2014/main" id="{7A651770-A9BB-655A-A9AA-887E01F598C0}"/>
+              </a:ext>
+            </a:extLst>
+          </p:cNvPr>
+          <p:cNvSpPr/>
+          <p:nvPr/>
+        </p:nvSpPr>
+        <p:spPr>
+          <a:xfrm>
+            <a:off x="264160" y="619760"/>
+            <a:ext cx="2214880" cy="497840"/>
+          </a:xfrm>
+          <a:prstGeom prst="rect">
+            <a:avLst/>
+          </a:prstGeom>
+        </p:spPr>
+        <p:style>
+          <a:lnRef idx="2">
+            <a:schemeClr val="accent1">
+              <a:shade val="15000"/>
+            </a:schemeClr>
+          </a:lnRef>
+          <a:fillRef idx="1">
+            <a:schemeClr val="accent1"/>
+          </a:fillRef>
+          <a:effectRef idx="0">
+            <a:schemeClr val="accent1"/>
+          </a:effectRef>
+          <a:fontRef idx="minor">
+            <a:schemeClr val="lt1"/>
+          </a:fontRef>
+        </p:style>
+        <p:txBody>
+          <a:bodyPr rtlCol="0" anchor="ctr"/>
+          <a:lstStyle/>
+          <a:p>
+            <a:pPr algn="ctr"/>
+            <a:r>
+              <a:rPr kumimoji="1" lang="ko-KR" altLang="en-US" dirty="0"/>
+              <a:t>트랜잭션 생성 및 </a:t>
+            </a:r>
+          </a:p>
+        </p:txBody>
+      </p:sp>
+    </p:spTree>
+    <p:extLst>
+      <p:ext uri="{BB962C8B-B14F-4D97-AF65-F5344CB8AC3E}">
+        <p14:creationId xmlns:p14="http://schemas.microsoft.com/office/powerpoint/2010/main" val="3984832051"/>
+      </p:ext>
+    </p:extLst>
+  </p:cSld>
+  <p:clrMapOvr>
+    <a:masterClrMapping/>
+  </p:clrMapOvr>
+</p:sld>
+</file>
+
+<file path=ppt/slides/slide3.xml><?xml version="1.0" encoding="utf-8"?>
 <p:sld xmlns:a="http://schemas.openxmlformats.org/drawingml/2006/main" xmlns:r="http://schemas.openxmlformats.org/officeDocument/2006/relationships" xmlns:p="http://schemas.openxmlformats.org/presentationml/2006/main">
   <p:cSld>
     <p:spTree>
